--- a/0902周报.pptx
+++ b/0902周报.pptx
@@ -322,7 +322,7 @@
   </p:defaultTextStyle>
   <p:extLst>
     <p:ext uri="{EFAFB233-063F-42B5-8137-9DF3F51BA10A}">
-      <p15:sldGuideLst xmlns:p15="http://schemas.microsoft.com/office/powerpoint/2012/main"/>
+      <p15:sldGuideLst xmlns:p15="http://schemas.microsoft.com/office/powerpoint/2012/main" xmlns=""/>
     </p:ext>
   </p:extLst>
 </p:presentation>
@@ -886,7 +886,7 @@
 </file>
 
 <file path=ppt/slideLayouts/slideLayout1.xml><?xml version="1.0" encoding="utf-8"?>
-<p:sldLayout xmlns:a="http://schemas.openxmlformats.org/drawingml/2006/main" xmlns:r="http://schemas.openxmlformats.org/officeDocument/2006/relationships" xmlns:p="http://schemas.openxmlformats.org/presentationml/2006/main" type="tx">
+<p:sldLayout xmlns:a="http://schemas.openxmlformats.org/drawingml/2006/main" xmlns:r="http://schemas.openxmlformats.org/officeDocument/2006/relationships" xmlns:p="http://schemas.openxmlformats.org/presentationml/2006/main" showMasterSp="0" type="tx">
   <p:cSld name="2列">
     <p:spTree>
       <p:nvGrpSpPr>
@@ -1016,7 +1016,7 @@
 </file>
 
 <file path=ppt/slideLayouts/slideLayout10.xml><?xml version="1.0" encoding="utf-8"?>
-<p:sldLayout xmlns:a="http://schemas.openxmlformats.org/drawingml/2006/main" xmlns:r="http://schemas.openxmlformats.org/officeDocument/2006/relationships" xmlns:p="http://schemas.openxmlformats.org/presentationml/2006/main" type="tx">
+<p:sldLayout xmlns:a="http://schemas.openxmlformats.org/drawingml/2006/main" xmlns:r="http://schemas.openxmlformats.org/officeDocument/2006/relationships" xmlns:p="http://schemas.openxmlformats.org/presentationml/2006/main" showMasterSp="0" type="tx">
   <p:cSld name="2列，左2格，格标题">
     <p:spTree>
       <p:nvGrpSpPr>
@@ -1279,7 +1279,7 @@
 </file>
 
 <file path=ppt/slideLayouts/slideLayout11.xml><?xml version="1.0" encoding="utf-8"?>
-<p:sldLayout xmlns:a="http://schemas.openxmlformats.org/drawingml/2006/main" xmlns:r="http://schemas.openxmlformats.org/officeDocument/2006/relationships" xmlns:p="http://schemas.openxmlformats.org/presentationml/2006/main" type="tx">
+<p:sldLayout xmlns:a="http://schemas.openxmlformats.org/drawingml/2006/main" xmlns:r="http://schemas.openxmlformats.org/officeDocument/2006/relationships" xmlns:p="http://schemas.openxmlformats.org/presentationml/2006/main" showMasterSp="0" type="tx">
   <p:cSld name="单列，富内容">
     <p:spTree>
       <p:nvGrpSpPr>
@@ -1405,7 +1405,7 @@
 </file>
 
 <file path=ppt/slideLayouts/slideLayout12.xml><?xml version="1.0" encoding="utf-8"?>
-<p:sldLayout xmlns:a="http://schemas.openxmlformats.org/drawingml/2006/main" xmlns:r="http://schemas.openxmlformats.org/officeDocument/2006/relationships" xmlns:p="http://schemas.openxmlformats.org/presentationml/2006/main" type="tx">
+<p:sldLayout xmlns:a="http://schemas.openxmlformats.org/drawingml/2006/main" xmlns:r="http://schemas.openxmlformats.org/officeDocument/2006/relationships" xmlns:p="http://schemas.openxmlformats.org/presentationml/2006/main" showMasterSp="0" type="tx">
   <p:cSld name="2列，右列大">
     <p:spTree>
       <p:nvGrpSpPr>
@@ -1571,7 +1571,7 @@
 </file>
 
 <file path=ppt/slideLayouts/slideLayout13.xml><?xml version="1.0" encoding="utf-8"?>
-<p:sldLayout xmlns:a="http://schemas.openxmlformats.org/drawingml/2006/main" xmlns:r="http://schemas.openxmlformats.org/officeDocument/2006/relationships" xmlns:p="http://schemas.openxmlformats.org/presentationml/2006/main" type="tx">
+<p:sldLayout xmlns:a="http://schemas.openxmlformats.org/drawingml/2006/main" xmlns:r="http://schemas.openxmlformats.org/officeDocument/2006/relationships" xmlns:p="http://schemas.openxmlformats.org/presentationml/2006/main" showMasterSp="0" type="tx">
   <p:cSld name="1_2列，左列大">
     <p:spTree>
       <p:nvGrpSpPr>
@@ -1737,7 +1737,7 @@
 </file>
 
 <file path=ppt/slideLayouts/slideLayout14.xml><?xml version="1.0" encoding="utf-8"?>
-<p:sldLayout xmlns:a="http://schemas.openxmlformats.org/drawingml/2006/main" xmlns:r="http://schemas.openxmlformats.org/officeDocument/2006/relationships" xmlns:p="http://schemas.openxmlformats.org/presentationml/2006/main" type="tx">
+<p:sldLayout xmlns:a="http://schemas.openxmlformats.org/drawingml/2006/main" xmlns:r="http://schemas.openxmlformats.org/officeDocument/2006/relationships" xmlns:p="http://schemas.openxmlformats.org/presentationml/2006/main" showMasterSp="0" type="tx">
   <p:cSld name="2列，左列标题，右图片">
     <p:spTree>
       <p:nvGrpSpPr>
@@ -1927,7 +1927,7 @@
 </file>
 
 <file path=ppt/slideLayouts/slideLayout15.xml><?xml version="1.0" encoding="utf-8"?>
-<p:sldLayout xmlns:a="http://schemas.openxmlformats.org/drawingml/2006/main" xmlns:r="http://schemas.openxmlformats.org/officeDocument/2006/relationships" xmlns:p="http://schemas.openxmlformats.org/presentationml/2006/main" type="tx">
+<p:sldLayout xmlns:a="http://schemas.openxmlformats.org/drawingml/2006/main" xmlns:r="http://schemas.openxmlformats.org/officeDocument/2006/relationships" xmlns:p="http://schemas.openxmlformats.org/presentationml/2006/main" showMasterSp="0" type="tx">
   <p:cSld name="2列，右列标题，左图片">
     <p:spTree>
       <p:nvGrpSpPr>
@@ -2117,7 +2117,7 @@
 </file>
 
 <file path=ppt/slideLayouts/slideLayout16.xml><?xml version="1.0" encoding="utf-8"?>
-<p:sldLayout xmlns:a="http://schemas.openxmlformats.org/drawingml/2006/main" xmlns:r="http://schemas.openxmlformats.org/officeDocument/2006/relationships" xmlns:p="http://schemas.openxmlformats.org/presentationml/2006/main" type="tx">
+<p:sldLayout xmlns:a="http://schemas.openxmlformats.org/drawingml/2006/main" xmlns:r="http://schemas.openxmlformats.org/officeDocument/2006/relationships" xmlns:p="http://schemas.openxmlformats.org/presentationml/2006/main" showMasterSp="0" type="tx">
   <p:cSld name="2列，左图片">
     <p:spTree>
       <p:nvGrpSpPr>
@@ -2307,7 +2307,7 @@
 </file>
 
 <file path=ppt/slideLayouts/slideLayout17.xml><?xml version="1.0" encoding="utf-8"?>
-<p:sldLayout xmlns:a="http://schemas.openxmlformats.org/drawingml/2006/main" xmlns:r="http://schemas.openxmlformats.org/officeDocument/2006/relationships" xmlns:p="http://schemas.openxmlformats.org/presentationml/2006/main" type="tx">
+<p:sldLayout xmlns:a="http://schemas.openxmlformats.org/drawingml/2006/main" xmlns:r="http://schemas.openxmlformats.org/officeDocument/2006/relationships" xmlns:p="http://schemas.openxmlformats.org/presentationml/2006/main" showMasterSp="0" type="tx">
   <p:cSld name="2列，右图片">
     <p:spTree>
       <p:nvGrpSpPr>
@@ -2497,7 +2497,7 @@
 </file>
 
 <file path=ppt/slideLayouts/slideLayout18.xml><?xml version="1.0" encoding="utf-8"?>
-<p:sldLayout xmlns:a="http://schemas.openxmlformats.org/drawingml/2006/main" xmlns:r="http://schemas.openxmlformats.org/officeDocument/2006/relationships" xmlns:p="http://schemas.openxmlformats.org/presentationml/2006/main" type="tx">
+<p:sldLayout xmlns:a="http://schemas.openxmlformats.org/drawingml/2006/main" xmlns:r="http://schemas.openxmlformats.org/officeDocument/2006/relationships" xmlns:p="http://schemas.openxmlformats.org/presentationml/2006/main" showMasterSp="0" type="tx">
   <p:cSld name="2列，右2图">
     <p:spTree>
       <p:nvGrpSpPr>
@@ -2685,7 +2685,7 @@
 </file>
 
 <file path=ppt/slideLayouts/slideLayout19.xml><?xml version="1.0" encoding="utf-8"?>
-<p:sldLayout xmlns:a="http://schemas.openxmlformats.org/drawingml/2006/main" xmlns:r="http://schemas.openxmlformats.org/officeDocument/2006/relationships" xmlns:p="http://schemas.openxmlformats.org/presentationml/2006/main" type="tx">
+<p:sldLayout xmlns:a="http://schemas.openxmlformats.org/drawingml/2006/main" xmlns:r="http://schemas.openxmlformats.org/officeDocument/2006/relationships" xmlns:p="http://schemas.openxmlformats.org/presentationml/2006/main" showMasterSp="0" type="tx">
   <p:cSld name="2列，左2图">
     <p:spTree>
       <p:nvGrpSpPr>
@@ -2873,7 +2873,7 @@
 </file>
 
 <file path=ppt/slideLayouts/slideLayout2.xml><?xml version="1.0" encoding="utf-8"?>
-<p:sldLayout xmlns:a="http://schemas.openxmlformats.org/drawingml/2006/main" xmlns:r="http://schemas.openxmlformats.org/officeDocument/2006/relationships" xmlns:p="http://schemas.openxmlformats.org/presentationml/2006/main" type="tx">
+<p:sldLayout xmlns:a="http://schemas.openxmlformats.org/drawingml/2006/main" xmlns:r="http://schemas.openxmlformats.org/officeDocument/2006/relationships" xmlns:p="http://schemas.openxmlformats.org/presentationml/2006/main" showMasterSp="0" type="tx">
   <p:cSld name="4格">
     <p:spTree>
       <p:nvGrpSpPr>
@@ -3003,7 +3003,7 @@
 </file>
 
 <file path=ppt/slideLayouts/slideLayout20.xml><?xml version="1.0" encoding="utf-8"?>
-<p:sldLayout xmlns:a="http://schemas.openxmlformats.org/drawingml/2006/main" xmlns:r="http://schemas.openxmlformats.org/officeDocument/2006/relationships" xmlns:p="http://schemas.openxmlformats.org/presentationml/2006/main" type="tx">
+<p:sldLayout xmlns:a="http://schemas.openxmlformats.org/drawingml/2006/main" xmlns:r="http://schemas.openxmlformats.org/officeDocument/2006/relationships" xmlns:p="http://schemas.openxmlformats.org/presentationml/2006/main" showMasterSp="0" type="tx">
   <p:cSld name="仅图片">
     <p:spTree>
       <p:nvGrpSpPr>
@@ -3109,7 +3109,7 @@
 </file>
 
 <file path=ppt/slideLayouts/slideLayout21.xml><?xml version="1.0" encoding="utf-8"?>
-<p:sldLayout xmlns:a="http://schemas.openxmlformats.org/drawingml/2006/main" xmlns:r="http://schemas.openxmlformats.org/officeDocument/2006/relationships" xmlns:p="http://schemas.openxmlformats.org/presentationml/2006/main" type="tx">
+<p:sldLayout xmlns:a="http://schemas.openxmlformats.org/drawingml/2006/main" xmlns:r="http://schemas.openxmlformats.org/officeDocument/2006/relationships" xmlns:p="http://schemas.openxmlformats.org/presentationml/2006/main" showMasterSp="0" type="tx">
   <p:cSld name="上图下文">
     <p:spTree>
       <p:nvGrpSpPr>
@@ -3314,7 +3314,7 @@
 </file>
 
 <file path=ppt/slideLayouts/slideLayout22.xml><?xml version="1.0" encoding="utf-8"?>
-<p:sldLayout xmlns:a="http://schemas.openxmlformats.org/drawingml/2006/main" xmlns:r="http://schemas.openxmlformats.org/officeDocument/2006/relationships" xmlns:p="http://schemas.openxmlformats.org/presentationml/2006/main" type="tx">
+<p:sldLayout xmlns:a="http://schemas.openxmlformats.org/drawingml/2006/main" xmlns:r="http://schemas.openxmlformats.org/officeDocument/2006/relationships" xmlns:p="http://schemas.openxmlformats.org/presentationml/2006/main" showMasterSp="0" type="tx">
   <p:cSld name="上文下图">
     <p:spTree>
       <p:nvGrpSpPr>
@@ -3519,7 +3519,7 @@
 </file>
 
 <file path=ppt/slideLayouts/slideLayout23.xml><?xml version="1.0" encoding="utf-8"?>
-<p:sldLayout xmlns:a="http://schemas.openxmlformats.org/drawingml/2006/main" xmlns:r="http://schemas.openxmlformats.org/officeDocument/2006/relationships" xmlns:p="http://schemas.openxmlformats.org/presentationml/2006/main" type="tx">
+<p:sldLayout xmlns:a="http://schemas.openxmlformats.org/drawingml/2006/main" xmlns:r="http://schemas.openxmlformats.org/officeDocument/2006/relationships" xmlns:p="http://schemas.openxmlformats.org/presentationml/2006/main" showMasterSp="0" type="tx">
   <p:cSld name="上2图下文">
     <p:spTree>
       <p:nvGrpSpPr>
@@ -3753,7 +3753,7 @@
 </file>
 
 <file path=ppt/slideLayouts/slideLayout24.xml><?xml version="1.0" encoding="utf-8"?>
-<p:sldLayout xmlns:a="http://schemas.openxmlformats.org/drawingml/2006/main" xmlns:r="http://schemas.openxmlformats.org/officeDocument/2006/relationships" xmlns:p="http://schemas.openxmlformats.org/presentationml/2006/main" type="tx">
+<p:sldLayout xmlns:a="http://schemas.openxmlformats.org/drawingml/2006/main" xmlns:r="http://schemas.openxmlformats.org/officeDocument/2006/relationships" xmlns:p="http://schemas.openxmlformats.org/presentationml/2006/main" showMasterSp="0" type="tx">
   <p:cSld name="上文下2图">
     <p:spTree>
       <p:nvGrpSpPr>
@@ -3987,7 +3987,7 @@
 </file>
 
 <file path=ppt/slideLayouts/slideLayout25.xml><?xml version="1.0" encoding="utf-8"?>
-<p:sldLayout xmlns:a="http://schemas.openxmlformats.org/drawingml/2006/main" xmlns:r="http://schemas.openxmlformats.org/officeDocument/2006/relationships" xmlns:p="http://schemas.openxmlformats.org/presentationml/2006/main" type="tx">
+<p:sldLayout xmlns:a="http://schemas.openxmlformats.org/drawingml/2006/main" xmlns:r="http://schemas.openxmlformats.org/officeDocument/2006/relationships" xmlns:p="http://schemas.openxmlformats.org/presentationml/2006/main" showMasterSp="0" type="tx">
   <p:cSld name="仅标题">
     <p:spTree>
       <p:nvGrpSpPr>
@@ -4064,7 +4064,7 @@
 </file>
 
 <file path=ppt/slideLayouts/slideLayout3.xml><?xml version="1.0" encoding="utf-8"?>
-<p:sldLayout xmlns:a="http://schemas.openxmlformats.org/drawingml/2006/main" xmlns:r="http://schemas.openxmlformats.org/officeDocument/2006/relationships" xmlns:p="http://schemas.openxmlformats.org/presentationml/2006/main" type="tx">
+<p:sldLayout xmlns:a="http://schemas.openxmlformats.org/drawingml/2006/main" xmlns:r="http://schemas.openxmlformats.org/officeDocument/2006/relationships" xmlns:p="http://schemas.openxmlformats.org/presentationml/2006/main" showMasterSp="0" type="tx">
   <p:cSld name="2列，左2格">
     <p:spTree>
       <p:nvGrpSpPr>
@@ -4233,7 +4233,7 @@
 </file>
 
 <file path=ppt/slideLayouts/slideLayout4.xml><?xml version="1.0" encoding="utf-8"?>
-<p:sldLayout xmlns:a="http://schemas.openxmlformats.org/drawingml/2006/main" xmlns:r="http://schemas.openxmlformats.org/officeDocument/2006/relationships" xmlns:p="http://schemas.openxmlformats.org/presentationml/2006/main" type="tx">
+<p:sldLayout xmlns:a="http://schemas.openxmlformats.org/drawingml/2006/main" xmlns:r="http://schemas.openxmlformats.org/officeDocument/2006/relationships" xmlns:p="http://schemas.openxmlformats.org/presentationml/2006/main" showMasterSp="0" type="tx">
   <p:cSld name="2列，右2格">
     <p:spTree>
       <p:nvGrpSpPr>
@@ -4424,7 +4424,7 @@
 </file>
 
 <file path=ppt/slideLayouts/slideLayout5.xml><?xml version="1.0" encoding="utf-8"?>
-<p:sldLayout xmlns:a="http://schemas.openxmlformats.org/drawingml/2006/main" xmlns:r="http://schemas.openxmlformats.org/officeDocument/2006/relationships" xmlns:p="http://schemas.openxmlformats.org/presentationml/2006/main" type="tx">
+<p:sldLayout xmlns:a="http://schemas.openxmlformats.org/drawingml/2006/main" xmlns:r="http://schemas.openxmlformats.org/officeDocument/2006/relationships" xmlns:p="http://schemas.openxmlformats.org/presentationml/2006/main" showMasterSp="0" type="tx">
   <p:cSld name="2列，列标题">
     <p:spTree>
       <p:nvGrpSpPr>
@@ -4621,7 +4621,7 @@
 </file>
 
 <file path=ppt/slideLayouts/slideLayout6.xml><?xml version="1.0" encoding="utf-8"?>
-<p:sldLayout xmlns:a="http://schemas.openxmlformats.org/drawingml/2006/main" xmlns:r="http://schemas.openxmlformats.org/officeDocument/2006/relationships" xmlns:p="http://schemas.openxmlformats.org/presentationml/2006/main" type="tx">
+<p:sldLayout xmlns:a="http://schemas.openxmlformats.org/drawingml/2006/main" xmlns:r="http://schemas.openxmlformats.org/officeDocument/2006/relationships" xmlns:p="http://schemas.openxmlformats.org/presentationml/2006/main" showMasterSp="0" type="tx">
   <p:cSld name="4格，格标题">
     <p:spTree>
       <p:nvGrpSpPr>
@@ -4890,7 +4890,7 @@
 </file>
 
 <file path=ppt/slideLayouts/slideLayout7.xml><?xml version="1.0" encoding="utf-8"?>
-<p:sldLayout xmlns:a="http://schemas.openxmlformats.org/drawingml/2006/main" xmlns:r="http://schemas.openxmlformats.org/officeDocument/2006/relationships" xmlns:p="http://schemas.openxmlformats.org/presentationml/2006/main" type="tx">
+<p:sldLayout xmlns:a="http://schemas.openxmlformats.org/drawingml/2006/main" xmlns:r="http://schemas.openxmlformats.org/officeDocument/2006/relationships" xmlns:p="http://schemas.openxmlformats.org/presentationml/2006/main" showMasterSp="0" type="tx">
   <p:cSld name="2列，左列标题">
     <p:spTree>
       <p:nvGrpSpPr>
@@ -5090,7 +5090,7 @@
 </file>
 
 <file path=ppt/slideLayouts/slideLayout8.xml><?xml version="1.0" encoding="utf-8"?>
-<p:sldLayout xmlns:a="http://schemas.openxmlformats.org/drawingml/2006/main" xmlns:r="http://schemas.openxmlformats.org/officeDocument/2006/relationships" xmlns:p="http://schemas.openxmlformats.org/presentationml/2006/main" type="tx">
+<p:sldLayout xmlns:a="http://schemas.openxmlformats.org/drawingml/2006/main" xmlns:r="http://schemas.openxmlformats.org/officeDocument/2006/relationships" xmlns:p="http://schemas.openxmlformats.org/presentationml/2006/main" showMasterSp="0" type="tx">
   <p:cSld name="2列，右列标题">
     <p:spTree>
       <p:nvGrpSpPr>
@@ -5317,7 +5317,7 @@
 </file>
 
 <file path=ppt/slideLayouts/slideLayout9.xml><?xml version="1.0" encoding="utf-8"?>
-<p:sldLayout xmlns:a="http://schemas.openxmlformats.org/drawingml/2006/main" xmlns:r="http://schemas.openxmlformats.org/officeDocument/2006/relationships" xmlns:p="http://schemas.openxmlformats.org/presentationml/2006/main" type="tx">
+<p:sldLayout xmlns:a="http://schemas.openxmlformats.org/drawingml/2006/main" xmlns:r="http://schemas.openxmlformats.org/officeDocument/2006/relationships" xmlns:p="http://schemas.openxmlformats.org/presentationml/2006/main" showMasterSp="0" type="tx">
   <p:cSld name="2列，右2格，格标题">
     <p:spTree>
       <p:nvGrpSpPr>
@@ -5692,7 +5692,7 @@
           </a:ln>
           <a:extLst>
             <a:ext uri="{C572A759-6A51-4108-AA02-DFA0A04FC94B}">
-              <ma14:wrappingTextBoxFlag xmlns:ma14="http://schemas.microsoft.com/office/mac/drawingml/2011/main" val="1"/>
+              <ma14:wrappingTextBoxFlag xmlns:ma14="http://schemas.microsoft.com/office/mac/drawingml/2011/main" xmlns="" val="1"/>
             </a:ext>
           </a:extLst>
         </p:spPr>
@@ -5731,7 +5731,7 @@
           </a:ln>
           <a:extLst>
             <a:ext uri="{C572A759-6A51-4108-AA02-DFA0A04FC94B}">
-              <ma14:wrappingTextBoxFlag xmlns:ma14="http://schemas.microsoft.com/office/mac/drawingml/2011/main" val="1"/>
+              <ma14:wrappingTextBoxFlag xmlns:ma14="http://schemas.microsoft.com/office/mac/drawingml/2011/main" xmlns="" val="1"/>
             </a:ext>
           </a:extLst>
         </p:spPr>
@@ -6676,7 +6676,7 @@
 </file>
 
 <file path=ppt/slides/slide1.xml><?xml version="1.0" encoding="utf-8"?>
-<p:sld xmlns:a="http://schemas.openxmlformats.org/drawingml/2006/main" xmlns:r="http://schemas.openxmlformats.org/officeDocument/2006/relationships" xmlns:p="http://schemas.openxmlformats.org/presentationml/2006/main">
+<p:sld xmlns:a="http://schemas.openxmlformats.org/drawingml/2006/main" xmlns:r="http://schemas.openxmlformats.org/officeDocument/2006/relationships" xmlns:p="http://schemas.openxmlformats.org/presentationml/2006/main" showMasterSp="0">
   <p:cSld>
     <p:spTree>
       <p:nvGrpSpPr>
@@ -7183,7 +7183,7 @@
 </file>
 
 <file path=ppt/slides/slide10.xml><?xml version="1.0" encoding="utf-8"?>
-<p:sld xmlns:a="http://schemas.openxmlformats.org/drawingml/2006/main" xmlns:r="http://schemas.openxmlformats.org/officeDocument/2006/relationships" xmlns:p="http://schemas.openxmlformats.org/presentationml/2006/main">
+<p:sld xmlns:a="http://schemas.openxmlformats.org/drawingml/2006/main" xmlns:r="http://schemas.openxmlformats.org/officeDocument/2006/relationships" xmlns:p="http://schemas.openxmlformats.org/presentationml/2006/main" showMasterSp="0">
   <p:cSld>
     <p:spTree>
       <p:nvGrpSpPr>
@@ -7482,7 +7482,7 @@
 </file>
 
 <file path=ppt/slides/slide11.xml><?xml version="1.0" encoding="utf-8"?>
-<p:sld xmlns:a="http://schemas.openxmlformats.org/drawingml/2006/main" xmlns:r="http://schemas.openxmlformats.org/officeDocument/2006/relationships" xmlns:p="http://schemas.openxmlformats.org/presentationml/2006/main">
+<p:sld xmlns:a="http://schemas.openxmlformats.org/drawingml/2006/main" xmlns:r="http://schemas.openxmlformats.org/officeDocument/2006/relationships" xmlns:p="http://schemas.openxmlformats.org/presentationml/2006/main" showMasterSp="0">
   <p:cSld>
     <p:spTree>
       <p:nvGrpSpPr>
@@ -7733,7 +7733,7 @@
 </file>
 
 <file path=ppt/slides/slide2.xml><?xml version="1.0" encoding="utf-8"?>
-<p:sld xmlns:a="http://schemas.openxmlformats.org/drawingml/2006/main" xmlns:r="http://schemas.openxmlformats.org/officeDocument/2006/relationships" xmlns:p="http://schemas.openxmlformats.org/presentationml/2006/main">
+<p:sld xmlns:a="http://schemas.openxmlformats.org/drawingml/2006/main" xmlns:r="http://schemas.openxmlformats.org/officeDocument/2006/relationships" xmlns:p="http://schemas.openxmlformats.org/presentationml/2006/main" showMasterSp="0">
   <p:cSld>
     <p:spTree>
       <p:nvGrpSpPr>
@@ -7829,7 +7829,7 @@
 </file>
 
 <file path=ppt/slides/slide3.xml><?xml version="1.0" encoding="utf-8"?>
-<p:sld xmlns:a="http://schemas.openxmlformats.org/drawingml/2006/main" xmlns:r="http://schemas.openxmlformats.org/officeDocument/2006/relationships" xmlns:p="http://schemas.openxmlformats.org/presentationml/2006/main">
+<p:sld xmlns:a="http://schemas.openxmlformats.org/drawingml/2006/main" xmlns:r="http://schemas.openxmlformats.org/officeDocument/2006/relationships" xmlns:p="http://schemas.openxmlformats.org/presentationml/2006/main" showMasterSp="0">
   <p:cSld>
     <p:spTree>
       <p:nvGrpSpPr>
@@ -8254,7 +8254,7 @@
 </file>
 
 <file path=ppt/slides/slide4.xml><?xml version="1.0" encoding="utf-8"?>
-<p:sld xmlns:a="http://schemas.openxmlformats.org/drawingml/2006/main" xmlns:r="http://schemas.openxmlformats.org/officeDocument/2006/relationships" xmlns:p="http://schemas.openxmlformats.org/presentationml/2006/main">
+<p:sld xmlns:a="http://schemas.openxmlformats.org/drawingml/2006/main" xmlns:r="http://schemas.openxmlformats.org/officeDocument/2006/relationships" xmlns:p="http://schemas.openxmlformats.org/presentationml/2006/main" showMasterSp="0">
   <p:cSld>
     <p:spTree>
       <p:nvGrpSpPr>
@@ -8898,7 +8898,7 @@
 </file>
 
 <file path=ppt/slides/slide5.xml><?xml version="1.0" encoding="utf-8"?>
-<p:sld xmlns:a="http://schemas.openxmlformats.org/drawingml/2006/main" xmlns:r="http://schemas.openxmlformats.org/officeDocument/2006/relationships" xmlns:p="http://schemas.openxmlformats.org/presentationml/2006/main">
+<p:sld xmlns:a="http://schemas.openxmlformats.org/drawingml/2006/main" xmlns:r="http://schemas.openxmlformats.org/officeDocument/2006/relationships" xmlns:p="http://schemas.openxmlformats.org/presentationml/2006/main" showMasterSp="0">
   <p:cSld>
     <p:spTree>
       <p:nvGrpSpPr>
@@ -9336,7 +9336,7 @@
 </file>
 
 <file path=ppt/slides/slide6.xml><?xml version="1.0" encoding="utf-8"?>
-<p:sld xmlns:a="http://schemas.openxmlformats.org/drawingml/2006/main" xmlns:r="http://schemas.openxmlformats.org/officeDocument/2006/relationships" xmlns:p="http://schemas.openxmlformats.org/presentationml/2006/main">
+<p:sld xmlns:a="http://schemas.openxmlformats.org/drawingml/2006/main" xmlns:r="http://schemas.openxmlformats.org/officeDocument/2006/relationships" xmlns:p="http://schemas.openxmlformats.org/presentationml/2006/main" showMasterSp="0">
   <p:cSld>
     <p:spTree>
       <p:nvGrpSpPr>
@@ -9731,7 +9731,7 @@
 </file>
 
 <file path=ppt/slides/slide7.xml><?xml version="1.0" encoding="utf-8"?>
-<p:sld xmlns:a="http://schemas.openxmlformats.org/drawingml/2006/main" xmlns:r="http://schemas.openxmlformats.org/officeDocument/2006/relationships" xmlns:p="http://schemas.openxmlformats.org/presentationml/2006/main">
+<p:sld xmlns:a="http://schemas.openxmlformats.org/drawingml/2006/main" xmlns:r="http://schemas.openxmlformats.org/officeDocument/2006/relationships" xmlns:p="http://schemas.openxmlformats.org/presentationml/2006/main" showMasterSp="0">
   <p:cSld>
     <p:spTree>
       <p:nvGrpSpPr>
@@ -10049,7 +10049,7 @@
 </file>
 
 <file path=ppt/slides/slide8.xml><?xml version="1.0" encoding="utf-8"?>
-<p:sld xmlns:a="http://schemas.openxmlformats.org/drawingml/2006/main" xmlns:r="http://schemas.openxmlformats.org/officeDocument/2006/relationships" xmlns:p="http://schemas.openxmlformats.org/presentationml/2006/main">
+<p:sld xmlns:a="http://schemas.openxmlformats.org/drawingml/2006/main" xmlns:r="http://schemas.openxmlformats.org/officeDocument/2006/relationships" xmlns:p="http://schemas.openxmlformats.org/presentationml/2006/main" showMasterSp="0">
   <p:cSld>
     <p:spTree>
       <p:nvGrpSpPr>
@@ -10498,7 +10498,7 @@
 </file>
 
 <file path=ppt/slides/slide9.xml><?xml version="1.0" encoding="utf-8"?>
-<p:sld xmlns:a="http://schemas.openxmlformats.org/drawingml/2006/main" xmlns:r="http://schemas.openxmlformats.org/officeDocument/2006/relationships" xmlns:p="http://schemas.openxmlformats.org/presentationml/2006/main">
+<p:sld xmlns:a="http://schemas.openxmlformats.org/drawingml/2006/main" xmlns:r="http://schemas.openxmlformats.org/officeDocument/2006/relationships" xmlns:p="http://schemas.openxmlformats.org/presentationml/2006/main" showMasterSp="0">
   <p:cSld>
     <p:spTree>
       <p:nvGrpSpPr>
